--- a/Presentations/Implementation Presentation(WING).pptx
+++ b/Presentations/Implementation Presentation(WING).pptx
@@ -5,7 +5,7 @@
     <p:sldMasterId id="2147483725" r:id="rId1"/>
   </p:sldMasterIdLst>
   <p:notesMasterIdLst>
-    <p:notesMasterId r:id="rId15"/>
+    <p:notesMasterId r:id="rId14"/>
   </p:notesMasterIdLst>
   <p:sldIdLst>
     <p:sldId id="257" r:id="rId2"/>
@@ -13,14 +13,13 @@
     <p:sldId id="267" r:id="rId4"/>
     <p:sldId id="261" r:id="rId5"/>
     <p:sldId id="262" r:id="rId6"/>
-    <p:sldId id="263" r:id="rId7"/>
-    <p:sldId id="264" r:id="rId8"/>
-    <p:sldId id="265" r:id="rId9"/>
-    <p:sldId id="266" r:id="rId10"/>
-    <p:sldId id="268" r:id="rId11"/>
-    <p:sldId id="260" r:id="rId12"/>
-    <p:sldId id="270" r:id="rId13"/>
-    <p:sldId id="271" r:id="rId14"/>
+    <p:sldId id="264" r:id="rId7"/>
+    <p:sldId id="265" r:id="rId8"/>
+    <p:sldId id="266" r:id="rId9"/>
+    <p:sldId id="268" r:id="rId10"/>
+    <p:sldId id="260" r:id="rId11"/>
+    <p:sldId id="270" r:id="rId12"/>
+    <p:sldId id="271" r:id="rId13"/>
   </p:sldIdLst>
   <p:sldSz cx="12192000" cy="6858000"/>
   <p:notesSz cx="6858000" cy="9144000"/>
@@ -209,7 +208,7 @@
           <a:p>
             <a:fld id="{E0EFDD65-9FC3-45FA-BD74-52B6EE1BB395}" type="datetimeFigureOut">
               <a:rPr lang="en-SG" smtClean="0"/>
-              <a:t>30/7/2019</a:t>
+              <a:t>17/8/2019</a:t>
             </a:fld>
             <a:endParaRPr lang="en-SG"/>
           </a:p>
@@ -548,7 +547,7 @@
           <a:p>
             <a:fld id="{8F1B9FA1-3B96-4BE1-AB73-E015D54A1FCF}" type="slidenum">
               <a:rPr lang="en-SG" smtClean="0"/>
-              <a:t>11</a:t>
+              <a:t>10</a:t>
             </a:fld>
             <a:endParaRPr lang="en-SG"/>
           </a:p>
@@ -791,9 +790,9 @@
           <a:bodyPr/>
           <a:lstStyle/>
           <a:p>
-            <a:fld id="{39F4F7CA-6C72-4EBA-B4E5-D72BC7D7CB75}" type="datetimeFigureOut">
+            <a:fld id="{7FA65480-673C-4B53-934F-8CBE8F18BE17}" type="datetime1">
               <a:rPr lang="en-SG" smtClean="0"/>
-              <a:t>30/7/2019</a:t>
+              <a:t>17/8/2019</a:t>
             </a:fld>
             <a:endParaRPr lang="en-SG"/>
           </a:p>
@@ -999,9 +998,9 @@
           <a:bodyPr/>
           <a:lstStyle/>
           <a:p>
-            <a:fld id="{39F4F7CA-6C72-4EBA-B4E5-D72BC7D7CB75}" type="datetimeFigureOut">
+            <a:fld id="{2B30A011-0964-48C8-96D0-2F9D72E40CAF}" type="datetime1">
               <a:rPr lang="en-SG" smtClean="0"/>
-              <a:t>30/7/2019</a:t>
+              <a:t>17/8/2019</a:t>
             </a:fld>
             <a:endParaRPr lang="en-SG"/>
           </a:p>
@@ -1255,9 +1254,9 @@
           <a:bodyPr/>
           <a:lstStyle/>
           <a:p>
-            <a:fld id="{39F4F7CA-6C72-4EBA-B4E5-D72BC7D7CB75}" type="datetimeFigureOut">
+            <a:fld id="{253AD8B2-3E04-4BF4-97A9-5FF6A041C874}" type="datetime1">
               <a:rPr lang="en-SG" smtClean="0"/>
-              <a:t>30/7/2019</a:t>
+              <a:t>17/8/2019</a:t>
             </a:fld>
             <a:endParaRPr lang="en-SG"/>
           </a:p>
@@ -1429,9 +1428,9 @@
           <a:bodyPr/>
           <a:lstStyle/>
           <a:p>
-            <a:fld id="{39F4F7CA-6C72-4EBA-B4E5-D72BC7D7CB75}" type="datetimeFigureOut">
+            <a:fld id="{AA8DE0D6-21DE-4A89-B2B7-6D9DECF7B5E9}" type="datetime1">
               <a:rPr lang="en-SG" smtClean="0"/>
-              <a:t>30/7/2019</a:t>
+              <a:t>17/8/2019</a:t>
             </a:fld>
             <a:endParaRPr lang="en-SG"/>
           </a:p>
@@ -1772,9 +1771,9 @@
           <a:bodyPr/>
           <a:lstStyle/>
           <a:p>
-            <a:fld id="{39F4F7CA-6C72-4EBA-B4E5-D72BC7D7CB75}" type="datetimeFigureOut">
+            <a:fld id="{D8E5B426-6E99-43ED-B6A0-230586F93C98}" type="datetime1">
               <a:rPr lang="en-SG" smtClean="0"/>
-              <a:t>30/7/2019</a:t>
+              <a:t>17/8/2019</a:t>
             </a:fld>
             <a:endParaRPr lang="en-SG"/>
           </a:p>
@@ -2047,9 +2046,9 @@
           <a:bodyPr/>
           <a:lstStyle/>
           <a:p>
-            <a:fld id="{39F4F7CA-6C72-4EBA-B4E5-D72BC7D7CB75}" type="datetimeFigureOut">
+            <a:fld id="{049C9515-7199-4482-8D49-0BAD9411F543}" type="datetime1">
               <a:rPr lang="en-SG" smtClean="0"/>
-              <a:t>30/7/2019</a:t>
+              <a:t>17/8/2019</a:t>
             </a:fld>
             <a:endParaRPr lang="en-SG"/>
           </a:p>
@@ -2426,9 +2425,9 @@
           <a:bodyPr/>
           <a:lstStyle/>
           <a:p>
-            <a:fld id="{39F4F7CA-6C72-4EBA-B4E5-D72BC7D7CB75}" type="datetimeFigureOut">
+            <a:fld id="{284F1A47-2D8C-4459-A4C6-8B12A3A0F0F1}" type="datetime1">
               <a:rPr lang="en-SG" smtClean="0"/>
-              <a:t>30/7/2019</a:t>
+              <a:t>17/8/2019</a:t>
             </a:fld>
             <a:endParaRPr lang="en-SG"/>
           </a:p>
@@ -2544,9 +2543,9 @@
           <a:bodyPr/>
           <a:lstStyle/>
           <a:p>
-            <a:fld id="{39F4F7CA-6C72-4EBA-B4E5-D72BC7D7CB75}" type="datetimeFigureOut">
+            <a:fld id="{BEED1E65-F9A0-455F-BA7A-8555C039902B}" type="datetime1">
               <a:rPr lang="en-SG" smtClean="0"/>
-              <a:t>30/7/2019</a:t>
+              <a:t>17/8/2019</a:t>
             </a:fld>
             <a:endParaRPr lang="en-SG"/>
           </a:p>
@@ -2715,9 +2714,9 @@
           <a:bodyPr/>
           <a:lstStyle/>
           <a:p>
-            <a:fld id="{39F4F7CA-6C72-4EBA-B4E5-D72BC7D7CB75}" type="datetimeFigureOut">
+            <a:fld id="{4E691B6F-B095-4DFF-9E03-C9E785050244}" type="datetime1">
               <a:rPr lang="en-SG" smtClean="0"/>
-              <a:t>30/7/2019</a:t>
+              <a:t>17/8/2019</a:t>
             </a:fld>
             <a:endParaRPr lang="en-SG"/>
           </a:p>
@@ -3069,9 +3068,9 @@
             </a:lvl1pPr>
           </a:lstStyle>
           <a:p>
-            <a:fld id="{39F4F7CA-6C72-4EBA-B4E5-D72BC7D7CB75}" type="datetimeFigureOut">
+            <a:fld id="{C98C9293-DED0-4179-B66C-A4D467DF40EB}" type="datetime1">
               <a:rPr lang="en-SG" smtClean="0"/>
-              <a:t>30/7/2019</a:t>
+              <a:t>17/8/2019</a:t>
             </a:fld>
             <a:endParaRPr lang="en-SG"/>
           </a:p>
@@ -3451,9 +3450,9 @@
           <a:bodyPr/>
           <a:lstStyle/>
           <a:p>
-            <a:fld id="{39F4F7CA-6C72-4EBA-B4E5-D72BC7D7CB75}" type="datetimeFigureOut">
+            <a:fld id="{5FB631D7-950D-4024-AD94-FB7A36B33F60}" type="datetime1">
               <a:rPr lang="en-SG" smtClean="0"/>
-              <a:t>30/7/2019</a:t>
+              <a:t>17/8/2019</a:t>
             </a:fld>
             <a:endParaRPr lang="en-SG"/>
           </a:p>
@@ -3738,9 +3737,9 @@
             </a:lvl1pPr>
           </a:lstStyle>
           <a:p>
-            <a:fld id="{39F4F7CA-6C72-4EBA-B4E5-D72BC7D7CB75}" type="datetimeFigureOut">
+            <a:fld id="{3654063C-22E6-4D8D-8C29-EA902E782739}" type="datetime1">
               <a:rPr lang="en-SG" smtClean="0"/>
-              <a:t>30/7/2019</a:t>
+              <a:t>17/8/2019</a:t>
             </a:fld>
             <a:endParaRPr lang="en-SG"/>
           </a:p>
@@ -3879,6 +3878,7 @@
     <p:sldLayoutId id="2147483735" r:id="rId10"/>
     <p:sldLayoutId id="2147483736" r:id="rId11"/>
   </p:sldLayoutIdLst>
+  <p:hf hdr="0" ftr="0" dt="0"/>
   <p:txStyles>
     <p:titleStyle>
       <a:lvl1pPr algn="l" defTabSz="914400" rtl="0" eaLnBrk="1" latinLnBrk="0" hangingPunct="1">
@@ -4323,6 +4323,35 @@
           </a:p>
         </p:txBody>
       </p:sp>
+      <p:sp>
+        <p:nvSpPr>
+          <p:cNvPr id="4" name="Slide Number Placeholder 3">
+            <a:extLst>
+              <a:ext uri="{FF2B5EF4-FFF2-40B4-BE49-F238E27FC236}">
+                <a16:creationId xmlns:a16="http://schemas.microsoft.com/office/drawing/2014/main" id="{317BEF6A-2230-49CD-9E49-1579F73482EF}"/>
+              </a:ext>
+            </a:extLst>
+          </p:cNvPr>
+          <p:cNvSpPr>
+            <a:spLocks noGrp="1"/>
+          </p:cNvSpPr>
+          <p:nvPr>
+            <p:ph type="sldNum" sz="quarter" idx="12"/>
+          </p:nvPr>
+        </p:nvSpPr>
+        <p:spPr/>
+        <p:txBody>
+          <a:bodyPr/>
+          <a:lstStyle/>
+          <a:p>
+            <a:fld id="{1E167D09-A34C-430D-9C38-F4CF3B2DC7D1}" type="slidenum">
+              <a:rPr lang="en-SG" smtClean="0"/>
+              <a:t>1</a:t>
+            </a:fld>
+            <a:endParaRPr lang="en-SG"/>
+          </a:p>
+        </p:txBody>
+      </p:sp>
     </p:spTree>
     <p:extLst>
       <p:ext uri="{BB962C8B-B14F-4D97-AF65-F5344CB8AC3E}">
@@ -4358,7 +4387,7 @@
           <p:cNvPr id="2" name="Title 1">
             <a:extLst>
               <a:ext uri="{FF2B5EF4-FFF2-40B4-BE49-F238E27FC236}">
-                <a16:creationId xmlns:a16="http://schemas.microsoft.com/office/drawing/2014/main" id="{7F2D946B-8179-46C0-AE18-B78C8DFF1CB1}"/>
+                <a16:creationId xmlns:a16="http://schemas.microsoft.com/office/drawing/2014/main" id="{22912FDB-85D4-4B13-8C77-4098C0349035}"/>
               </a:ext>
             </a:extLst>
           </p:cNvPr>
@@ -4366,7 +4395,35 @@
             <a:spLocks noGrp="1"/>
           </p:cNvSpPr>
           <p:nvPr>
-            <p:ph type="ctrTitle"/>
+            <p:ph type="title"/>
+          </p:nvPr>
+        </p:nvSpPr>
+        <p:spPr/>
+        <p:txBody>
+          <a:bodyPr/>
+          <a:lstStyle/>
+          <a:p>
+            <a:r>
+              <a:rPr lang="en-SG" dirty="0"/>
+              <a:t>What is AWS Lambda</a:t>
+            </a:r>
+          </a:p>
+        </p:txBody>
+      </p:sp>
+      <p:sp>
+        <p:nvSpPr>
+          <p:cNvPr id="3" name="Content Placeholder 2">
+            <a:extLst>
+              <a:ext uri="{FF2B5EF4-FFF2-40B4-BE49-F238E27FC236}">
+                <a16:creationId xmlns:a16="http://schemas.microsoft.com/office/drawing/2014/main" id="{AAD06D22-9DD4-4B61-A544-3C83690EDABD}"/>
+              </a:ext>
+            </a:extLst>
+          </p:cNvPr>
+          <p:cNvSpPr>
+            <a:spLocks noGrp="1"/>
+          </p:cNvSpPr>
+          <p:nvPr>
+            <p:ph idx="1"/>
           </p:nvPr>
         </p:nvSpPr>
         <p:spPr/>
@@ -4376,19 +4433,35 @@
           </a:bodyPr>
           <a:lstStyle/>
           <a:p>
-            <a:r>
-              <a:rPr lang="en-SG" dirty="0"/>
-              <a:t>AWS Lambda</a:t>
-            </a:r>
-          </a:p>
-        </p:txBody>
-      </p:sp>
-      <p:sp>
-        <p:nvSpPr>
-          <p:cNvPr id="5" name="Subtitle 4">
+            <a:pPr lvl="1"/>
+            <a:r>
+              <a:rPr lang="en-US" sz="3200" dirty="0"/>
+              <a:t>Compute service that lets you run code without provisioning or managing servers</a:t>
+            </a:r>
+          </a:p>
+          <a:p>
+            <a:pPr lvl="1"/>
+            <a:r>
+              <a:rPr lang="en-US" sz="3200" dirty="0"/>
+              <a:t>Scales automatically</a:t>
+            </a:r>
+          </a:p>
+          <a:p>
+            <a:pPr lvl="1"/>
+            <a:r>
+              <a:rPr lang="en-US" sz="3200" dirty="0"/>
+              <a:t>Pay only for compute time</a:t>
+            </a:r>
+            <a:endParaRPr lang="en-SG" sz="3200" dirty="0"/>
+          </a:p>
+        </p:txBody>
+      </p:sp>
+      <p:sp>
+        <p:nvSpPr>
+          <p:cNvPr id="4" name="Slide Number Placeholder 3">
             <a:extLst>
               <a:ext uri="{FF2B5EF4-FFF2-40B4-BE49-F238E27FC236}">
-                <a16:creationId xmlns:a16="http://schemas.microsoft.com/office/drawing/2014/main" id="{6CDAB7C5-0494-4C6F-9003-1A643F7E8C21}"/>
+                <a16:creationId xmlns:a16="http://schemas.microsoft.com/office/drawing/2014/main" id="{A602F28C-5516-4BF4-ABBC-D801068817E4}"/>
               </a:ext>
             </a:extLst>
           </p:cNvPr>
@@ -4396,7 +4469,7 @@
             <a:spLocks noGrp="1"/>
           </p:cNvSpPr>
           <p:nvPr>
-            <p:ph type="subTitle" idx="1"/>
+            <p:ph type="sldNum" sz="quarter" idx="12"/>
           </p:nvPr>
         </p:nvSpPr>
         <p:spPr/>
@@ -4404,50 +4477,18 @@
           <a:bodyPr/>
           <a:lstStyle/>
           <a:p>
+            <a:fld id="{1E167D09-A34C-430D-9C38-F4CF3B2DC7D1}" type="slidenum">
+              <a:rPr lang="en-SG" smtClean="0"/>
+              <a:t>10</a:t>
+            </a:fld>
             <a:endParaRPr lang="en-SG"/>
           </a:p>
         </p:txBody>
       </p:sp>
-      <p:pic>
-        <p:nvPicPr>
-          <p:cNvPr id="6" name="Graphic 5">
-            <a:extLst>
-              <a:ext uri="{FF2B5EF4-FFF2-40B4-BE49-F238E27FC236}">
-                <a16:creationId xmlns:a16="http://schemas.microsoft.com/office/drawing/2014/main" id="{AFFCDA78-8A47-43CA-83F6-BA30116B9875}"/>
-              </a:ext>
-            </a:extLst>
-          </p:cNvPr>
-          <p:cNvPicPr>
-            <a:picLocks noChangeAspect="1"/>
-          </p:cNvPicPr>
-          <p:nvPr/>
-        </p:nvPicPr>
-        <p:blipFill>
-          <a:blip r:embed="rId2">
-            <a:extLst>
-              <a:ext uri="{96DAC541-7B7A-43D3-8B79-37D633B846F1}">
-                <asvg:svgBlip xmlns:asvg="http://schemas.microsoft.com/office/drawing/2016/SVG/main" r:embed="rId3"/>
-              </a:ext>
-            </a:extLst>
-          </a:blip>
-          <a:stretch>
-            <a:fillRect/>
-          </a:stretch>
-        </p:blipFill>
-        <p:spPr>
-          <a:xfrm>
-            <a:off x="9243138" y="3039803"/>
-            <a:ext cx="1110229" cy="1110229"/>
-          </a:xfrm>
-          <a:prstGeom prst="rect">
-            <a:avLst/>
-          </a:prstGeom>
-        </p:spPr>
-      </p:pic>
     </p:spTree>
     <p:extLst>
       <p:ext uri="{BB962C8B-B14F-4D97-AF65-F5344CB8AC3E}">
-        <p14:creationId xmlns:p14="http://schemas.microsoft.com/office/powerpoint/2010/main" val="3435306315"/>
+        <p14:creationId xmlns:p14="http://schemas.microsoft.com/office/powerpoint/2010/main" val="1657155472"/>
       </p:ext>
     </p:extLst>
   </p:cSld>
@@ -4479,7 +4520,7 @@
           <p:cNvPr id="2" name="Title 1">
             <a:extLst>
               <a:ext uri="{FF2B5EF4-FFF2-40B4-BE49-F238E27FC236}">
-                <a16:creationId xmlns:a16="http://schemas.microsoft.com/office/drawing/2014/main" id="{22912FDB-85D4-4B13-8C77-4098C0349035}"/>
+                <a16:creationId xmlns:a16="http://schemas.microsoft.com/office/drawing/2014/main" id="{483D14B0-BCF7-49F1-BC0D-0BD3AFAC67C4}"/>
               </a:ext>
             </a:extLst>
           </p:cNvPr>
@@ -4497,61 +4538,214 @@
           <a:p>
             <a:r>
               <a:rPr lang="en-SG" dirty="0"/>
-              <a:t>What is AWS Lambda</a:t>
-            </a:r>
-          </a:p>
-        </p:txBody>
-      </p:sp>
-      <p:sp>
-        <p:nvSpPr>
-          <p:cNvPr id="3" name="Content Placeholder 2">
+              <a:t>My Design</a:t>
+            </a:r>
+          </a:p>
+        </p:txBody>
+      </p:sp>
+      <p:pic>
+        <p:nvPicPr>
+          <p:cNvPr id="5" name="Content Placeholder 4">
             <a:extLst>
               <a:ext uri="{FF2B5EF4-FFF2-40B4-BE49-F238E27FC236}">
-                <a16:creationId xmlns:a16="http://schemas.microsoft.com/office/drawing/2014/main" id="{AAD06D22-9DD4-4B61-A544-3C83690EDABD}"/>
+                <a16:creationId xmlns:a16="http://schemas.microsoft.com/office/drawing/2014/main" id="{90913B9D-87EF-458D-AD59-A71A69ED347B}"/>
               </a:ext>
             </a:extLst>
           </p:cNvPr>
-          <p:cNvSpPr>
-            <a:spLocks noGrp="1"/>
-          </p:cNvSpPr>
+          <p:cNvPicPr>
+            <a:picLocks noGrp="1" noChangeAspect="1"/>
+          </p:cNvPicPr>
           <p:nvPr>
             <p:ph idx="1"/>
           </p:nvPr>
+        </p:nvPicPr>
+        <p:blipFill>
+          <a:blip r:embed="rId2">
+            <a:extLst>
+              <a:ext uri="{28A0092B-C50C-407E-A947-70E740481C1C}">
+                <a14:useLocalDpi xmlns:a14="http://schemas.microsoft.com/office/drawing/2010/main" val="0"/>
+              </a:ext>
+            </a:extLst>
+          </a:blip>
+          <a:stretch>
+            <a:fillRect/>
+          </a:stretch>
+        </p:blipFill>
+        <p:spPr>
+          <a:xfrm>
+            <a:off x="719195" y="2072273"/>
+            <a:ext cx="10753609" cy="1420530"/>
+          </a:xfrm>
+        </p:spPr>
+      </p:pic>
+      <p:sp>
+        <p:nvSpPr>
+          <p:cNvPr id="6" name="TextBox 5">
+            <a:extLst>
+              <a:ext uri="{FF2B5EF4-FFF2-40B4-BE49-F238E27FC236}">
+                <a16:creationId xmlns:a16="http://schemas.microsoft.com/office/drawing/2014/main" id="{2D78FFD5-16DB-4956-B163-1E4D85564218}"/>
+              </a:ext>
+            </a:extLst>
+          </p:cNvPr>
+          <p:cNvSpPr txBox="1"/>
+          <p:nvPr/>
+        </p:nvSpPr>
+        <p:spPr>
+          <a:xfrm>
+            <a:off x="884903" y="3699081"/>
+            <a:ext cx="5000984" cy="830997"/>
+          </a:xfrm>
+          <a:prstGeom prst="rect">
+            <a:avLst/>
+          </a:prstGeom>
+          <a:noFill/>
+        </p:spPr>
+        <p:txBody>
+          <a:bodyPr wrap="none" rtlCol="0">
+            <a:spAutoFit/>
+          </a:bodyPr>
+          <a:lstStyle/>
+          <a:p>
+            <a:r>
+              <a:rPr lang="en-SG" sz="2400" dirty="0"/>
+              <a:t>Lambda function</a:t>
+            </a:r>
+          </a:p>
+          <a:p>
+            <a:pPr marL="285750" indent="-285750">
+              <a:buFont typeface="Arial" panose="020B0604020202020204" pitchFamily="34" charset="0"/>
+              <a:buChar char="•"/>
+            </a:pPr>
+            <a:r>
+              <a:rPr lang="en-SG" sz="2400" dirty="0"/>
+              <a:t>	Main code for model (Naïve Bayes)</a:t>
+            </a:r>
+          </a:p>
+        </p:txBody>
+      </p:sp>
+      <p:sp>
+        <p:nvSpPr>
+          <p:cNvPr id="7" name="TextBox 6">
+            <a:extLst>
+              <a:ext uri="{FF2B5EF4-FFF2-40B4-BE49-F238E27FC236}">
+                <a16:creationId xmlns:a16="http://schemas.microsoft.com/office/drawing/2014/main" id="{622ACC70-94A6-4B41-BE6E-E67F4469913B}"/>
+              </a:ext>
+            </a:extLst>
+          </p:cNvPr>
+          <p:cNvSpPr txBox="1"/>
+          <p:nvPr/>
+        </p:nvSpPr>
+        <p:spPr>
+          <a:xfrm>
+            <a:off x="884903" y="4530078"/>
+            <a:ext cx="6747168" cy="830997"/>
+          </a:xfrm>
+          <a:prstGeom prst="rect">
+            <a:avLst/>
+          </a:prstGeom>
+          <a:noFill/>
+        </p:spPr>
+        <p:txBody>
+          <a:bodyPr wrap="none" rtlCol="0">
+            <a:spAutoFit/>
+          </a:bodyPr>
+          <a:lstStyle/>
+          <a:p>
+            <a:r>
+              <a:rPr lang="en-SG" sz="2400" dirty="0"/>
+              <a:t>API Gateway</a:t>
+            </a:r>
+          </a:p>
+          <a:p>
+            <a:pPr marL="285750" indent="-285750">
+              <a:buFont typeface="Arial" panose="020B0604020202020204" pitchFamily="34" charset="0"/>
+              <a:buChar char="•"/>
+            </a:pPr>
+            <a:r>
+              <a:rPr lang="en-SG" sz="2400" dirty="0"/>
+              <a:t>Allow API calls to be made to the Lambda function</a:t>
+            </a:r>
+          </a:p>
+        </p:txBody>
+      </p:sp>
+      <p:sp>
+        <p:nvSpPr>
+          <p:cNvPr id="8" name="TextBox 7">
+            <a:extLst>
+              <a:ext uri="{FF2B5EF4-FFF2-40B4-BE49-F238E27FC236}">
+                <a16:creationId xmlns:a16="http://schemas.microsoft.com/office/drawing/2014/main" id="{3DC8A68B-B1DA-4220-A8FD-68AE4EF00B3E}"/>
+              </a:ext>
+            </a:extLst>
+          </p:cNvPr>
+          <p:cNvSpPr txBox="1"/>
+          <p:nvPr/>
+        </p:nvSpPr>
+        <p:spPr>
+          <a:xfrm>
+            <a:off x="884903" y="5361075"/>
+            <a:ext cx="3772699" cy="830997"/>
+          </a:xfrm>
+          <a:prstGeom prst="rect">
+            <a:avLst/>
+          </a:prstGeom>
+          <a:noFill/>
+        </p:spPr>
+        <p:txBody>
+          <a:bodyPr wrap="none" rtlCol="0">
+            <a:spAutoFit/>
+          </a:bodyPr>
+          <a:lstStyle/>
+          <a:p>
+            <a:r>
+              <a:rPr lang="en-SG" sz="2400" dirty="0"/>
+              <a:t>Amazon CloudWatch Logs</a:t>
+            </a:r>
+          </a:p>
+          <a:p>
+            <a:pPr marL="285750" indent="-285750">
+              <a:buFont typeface="Arial" panose="020B0604020202020204" pitchFamily="34" charset="0"/>
+              <a:buChar char="•"/>
+            </a:pPr>
+            <a:r>
+              <a:rPr lang="en-SG" sz="2400" dirty="0"/>
+              <a:t>Collects logs from API calls</a:t>
+            </a:r>
+          </a:p>
+        </p:txBody>
+      </p:sp>
+      <p:sp>
+        <p:nvSpPr>
+          <p:cNvPr id="3" name="Slide Number Placeholder 2">
+            <a:extLst>
+              <a:ext uri="{FF2B5EF4-FFF2-40B4-BE49-F238E27FC236}">
+                <a16:creationId xmlns:a16="http://schemas.microsoft.com/office/drawing/2014/main" id="{244B7D27-A25C-4D78-9750-D35C77B2D373}"/>
+              </a:ext>
+            </a:extLst>
+          </p:cNvPr>
+          <p:cNvSpPr>
+            <a:spLocks noGrp="1"/>
+          </p:cNvSpPr>
+          <p:nvPr>
+            <p:ph type="sldNum" sz="quarter" idx="12"/>
+          </p:nvPr>
         </p:nvSpPr>
         <p:spPr/>
         <p:txBody>
-          <a:bodyPr>
-            <a:normAutofit/>
-          </a:bodyPr>
-          <a:lstStyle/>
-          <a:p>
-            <a:pPr lvl="1"/>
-            <a:r>
-              <a:rPr lang="en-US" sz="3200" dirty="0"/>
-              <a:t>Compute service that lets you run code without provisioning or managing servers</a:t>
-            </a:r>
-          </a:p>
-          <a:p>
-            <a:pPr lvl="1"/>
-            <a:r>
-              <a:rPr lang="en-US" sz="3200" dirty="0"/>
-              <a:t>Scales automatically</a:t>
-            </a:r>
-          </a:p>
-          <a:p>
-            <a:pPr lvl="1"/>
-            <a:r>
-              <a:rPr lang="en-US" sz="3200" dirty="0"/>
-              <a:t>Pay only for compute time</a:t>
-            </a:r>
-            <a:endParaRPr lang="en-SG" sz="3200" dirty="0"/>
+          <a:bodyPr/>
+          <a:lstStyle/>
+          <a:p>
+            <a:fld id="{1E167D09-A34C-430D-9C38-F4CF3B2DC7D1}" type="slidenum">
+              <a:rPr lang="en-SG" smtClean="0"/>
+              <a:t>11</a:t>
+            </a:fld>
+            <a:endParaRPr lang="en-SG"/>
           </a:p>
         </p:txBody>
       </p:sp>
     </p:spTree>
     <p:extLst>
       <p:ext uri="{BB962C8B-B14F-4D97-AF65-F5344CB8AC3E}">
-        <p14:creationId xmlns:p14="http://schemas.microsoft.com/office/powerpoint/2010/main" val="1657155472"/>
+        <p14:creationId xmlns:p14="http://schemas.microsoft.com/office/powerpoint/2010/main" val="1834882910"/>
       </p:ext>
     </p:extLst>
   </p:cSld>
@@ -4583,234 +4777,6 @@
           <p:cNvPr id="2" name="Title 1">
             <a:extLst>
               <a:ext uri="{FF2B5EF4-FFF2-40B4-BE49-F238E27FC236}">
-                <a16:creationId xmlns:a16="http://schemas.microsoft.com/office/drawing/2014/main" id="{483D14B0-BCF7-49F1-BC0D-0BD3AFAC67C4}"/>
-              </a:ext>
-            </a:extLst>
-          </p:cNvPr>
-          <p:cNvSpPr>
-            <a:spLocks noGrp="1"/>
-          </p:cNvSpPr>
-          <p:nvPr>
-            <p:ph type="title"/>
-          </p:nvPr>
-        </p:nvSpPr>
-        <p:spPr/>
-        <p:txBody>
-          <a:bodyPr/>
-          <a:lstStyle/>
-          <a:p>
-            <a:r>
-              <a:rPr lang="en-SG" dirty="0"/>
-              <a:t>My Design</a:t>
-            </a:r>
-          </a:p>
-        </p:txBody>
-      </p:sp>
-      <p:pic>
-        <p:nvPicPr>
-          <p:cNvPr id="5" name="Content Placeholder 4">
-            <a:extLst>
-              <a:ext uri="{FF2B5EF4-FFF2-40B4-BE49-F238E27FC236}">
-                <a16:creationId xmlns:a16="http://schemas.microsoft.com/office/drawing/2014/main" id="{90913B9D-87EF-458D-AD59-A71A69ED347B}"/>
-              </a:ext>
-            </a:extLst>
-          </p:cNvPr>
-          <p:cNvPicPr>
-            <a:picLocks noGrp="1" noChangeAspect="1"/>
-          </p:cNvPicPr>
-          <p:nvPr>
-            <p:ph idx="1"/>
-          </p:nvPr>
-        </p:nvPicPr>
-        <p:blipFill>
-          <a:blip r:embed="rId2">
-            <a:extLst>
-              <a:ext uri="{28A0092B-C50C-407E-A947-70E740481C1C}">
-                <a14:useLocalDpi xmlns:a14="http://schemas.microsoft.com/office/drawing/2010/main" val="0"/>
-              </a:ext>
-            </a:extLst>
-          </a:blip>
-          <a:stretch>
-            <a:fillRect/>
-          </a:stretch>
-        </p:blipFill>
-        <p:spPr>
-          <a:xfrm>
-            <a:off x="719195" y="2072273"/>
-            <a:ext cx="10753609" cy="1420530"/>
-          </a:xfrm>
-        </p:spPr>
-      </p:pic>
-      <p:sp>
-        <p:nvSpPr>
-          <p:cNvPr id="6" name="TextBox 5">
-            <a:extLst>
-              <a:ext uri="{FF2B5EF4-FFF2-40B4-BE49-F238E27FC236}">
-                <a16:creationId xmlns:a16="http://schemas.microsoft.com/office/drawing/2014/main" id="{2D78FFD5-16DB-4956-B163-1E4D85564218}"/>
-              </a:ext>
-            </a:extLst>
-          </p:cNvPr>
-          <p:cNvSpPr txBox="1"/>
-          <p:nvPr/>
-        </p:nvSpPr>
-        <p:spPr>
-          <a:xfrm>
-            <a:off x="884903" y="3699081"/>
-            <a:ext cx="5000984" cy="830997"/>
-          </a:xfrm>
-          <a:prstGeom prst="rect">
-            <a:avLst/>
-          </a:prstGeom>
-          <a:noFill/>
-        </p:spPr>
-        <p:txBody>
-          <a:bodyPr wrap="none" rtlCol="0">
-            <a:spAutoFit/>
-          </a:bodyPr>
-          <a:lstStyle/>
-          <a:p>
-            <a:r>
-              <a:rPr lang="en-SG" sz="2400" dirty="0"/>
-              <a:t>Lambda function</a:t>
-            </a:r>
-          </a:p>
-          <a:p>
-            <a:pPr marL="285750" indent="-285750">
-              <a:buFont typeface="Arial" panose="020B0604020202020204" pitchFamily="34" charset="0"/>
-              <a:buChar char="•"/>
-            </a:pPr>
-            <a:r>
-              <a:rPr lang="en-SG" sz="2400" dirty="0"/>
-              <a:t>	Main code for model (Naïve Bayes)</a:t>
-            </a:r>
-          </a:p>
-        </p:txBody>
-      </p:sp>
-      <p:sp>
-        <p:nvSpPr>
-          <p:cNvPr id="7" name="TextBox 6">
-            <a:extLst>
-              <a:ext uri="{FF2B5EF4-FFF2-40B4-BE49-F238E27FC236}">
-                <a16:creationId xmlns:a16="http://schemas.microsoft.com/office/drawing/2014/main" id="{622ACC70-94A6-4B41-BE6E-E67F4469913B}"/>
-              </a:ext>
-            </a:extLst>
-          </p:cNvPr>
-          <p:cNvSpPr txBox="1"/>
-          <p:nvPr/>
-        </p:nvSpPr>
-        <p:spPr>
-          <a:xfrm>
-            <a:off x="884903" y="4530078"/>
-            <a:ext cx="6747168" cy="830997"/>
-          </a:xfrm>
-          <a:prstGeom prst="rect">
-            <a:avLst/>
-          </a:prstGeom>
-          <a:noFill/>
-        </p:spPr>
-        <p:txBody>
-          <a:bodyPr wrap="none" rtlCol="0">
-            <a:spAutoFit/>
-          </a:bodyPr>
-          <a:lstStyle/>
-          <a:p>
-            <a:r>
-              <a:rPr lang="en-SG" sz="2400" dirty="0"/>
-              <a:t>API Gateway</a:t>
-            </a:r>
-          </a:p>
-          <a:p>
-            <a:pPr marL="285750" indent="-285750">
-              <a:buFont typeface="Arial" panose="020B0604020202020204" pitchFamily="34" charset="0"/>
-              <a:buChar char="•"/>
-            </a:pPr>
-            <a:r>
-              <a:rPr lang="en-SG" sz="2400" dirty="0"/>
-              <a:t>Allow API calls to be made to the Lambda function</a:t>
-            </a:r>
-          </a:p>
-        </p:txBody>
-      </p:sp>
-      <p:sp>
-        <p:nvSpPr>
-          <p:cNvPr id="8" name="TextBox 7">
-            <a:extLst>
-              <a:ext uri="{FF2B5EF4-FFF2-40B4-BE49-F238E27FC236}">
-                <a16:creationId xmlns:a16="http://schemas.microsoft.com/office/drawing/2014/main" id="{3DC8A68B-B1DA-4220-A8FD-68AE4EF00B3E}"/>
-              </a:ext>
-            </a:extLst>
-          </p:cNvPr>
-          <p:cNvSpPr txBox="1"/>
-          <p:nvPr/>
-        </p:nvSpPr>
-        <p:spPr>
-          <a:xfrm>
-            <a:off x="884903" y="5361075"/>
-            <a:ext cx="3772699" cy="830997"/>
-          </a:xfrm>
-          <a:prstGeom prst="rect">
-            <a:avLst/>
-          </a:prstGeom>
-          <a:noFill/>
-        </p:spPr>
-        <p:txBody>
-          <a:bodyPr wrap="none" rtlCol="0">
-            <a:spAutoFit/>
-          </a:bodyPr>
-          <a:lstStyle/>
-          <a:p>
-            <a:r>
-              <a:rPr lang="en-SG" sz="2400" dirty="0"/>
-              <a:t>Amazon CloudWatch Logs</a:t>
-            </a:r>
-          </a:p>
-          <a:p>
-            <a:pPr marL="285750" indent="-285750">
-              <a:buFont typeface="Arial" panose="020B0604020202020204" pitchFamily="34" charset="0"/>
-              <a:buChar char="•"/>
-            </a:pPr>
-            <a:r>
-              <a:rPr lang="en-SG" sz="2400" dirty="0"/>
-              <a:t>Collects logs from API calls</a:t>
-            </a:r>
-          </a:p>
-        </p:txBody>
-      </p:sp>
-    </p:spTree>
-    <p:extLst>
-      <p:ext uri="{BB962C8B-B14F-4D97-AF65-F5344CB8AC3E}">
-        <p14:creationId xmlns:p14="http://schemas.microsoft.com/office/powerpoint/2010/main" val="1834882910"/>
-      </p:ext>
-    </p:extLst>
-  </p:cSld>
-  <p:clrMapOvr>
-    <a:masterClrMapping/>
-  </p:clrMapOvr>
-</p:sld>
-</file>
-
-<file path=ppt/slides/slide13.xml><?xml version="1.0" encoding="utf-8"?>
-<p:sld xmlns:a="http://schemas.openxmlformats.org/drawingml/2006/main" xmlns:r="http://schemas.openxmlformats.org/officeDocument/2006/relationships" xmlns:p="http://schemas.openxmlformats.org/presentationml/2006/main">
-  <p:cSld>
-    <p:spTree>
-      <p:nvGrpSpPr>
-        <p:cNvPr id="1" name=""/>
-        <p:cNvGrpSpPr/>
-        <p:nvPr/>
-      </p:nvGrpSpPr>
-      <p:grpSpPr>
-        <a:xfrm>
-          <a:off x="0" y="0"/>
-          <a:ext cx="0" cy="0"/>
-          <a:chOff x="0" y="0"/>
-          <a:chExt cx="0" cy="0"/>
-        </a:xfrm>
-      </p:grpSpPr>
-      <p:sp>
-        <p:nvSpPr>
-          <p:cNvPr id="2" name="Title 1">
-            <a:extLst>
-              <a:ext uri="{FF2B5EF4-FFF2-40B4-BE49-F238E27FC236}">
                 <a16:creationId xmlns:a16="http://schemas.microsoft.com/office/drawing/2014/main" id="{2ABE0C45-BF4E-42F2-9ADE-1626DC43D64A}"/>
               </a:ext>
             </a:extLst>
@@ -4877,6 +4843,35 @@
               <a:rPr lang="en-SG" sz="3200" dirty="0"/>
               <a:t> Comprehend etc)</a:t>
             </a:r>
+          </a:p>
+        </p:txBody>
+      </p:sp>
+      <p:sp>
+        <p:nvSpPr>
+          <p:cNvPr id="4" name="Slide Number Placeholder 3">
+            <a:extLst>
+              <a:ext uri="{FF2B5EF4-FFF2-40B4-BE49-F238E27FC236}">
+                <a16:creationId xmlns:a16="http://schemas.microsoft.com/office/drawing/2014/main" id="{1ADAF812-0653-44D6-A8C3-1D91A63FC9B5}"/>
+              </a:ext>
+            </a:extLst>
+          </p:cNvPr>
+          <p:cNvSpPr>
+            <a:spLocks noGrp="1"/>
+          </p:cNvSpPr>
+          <p:nvPr>
+            <p:ph type="sldNum" sz="quarter" idx="12"/>
+          </p:nvPr>
+        </p:nvSpPr>
+        <p:spPr/>
+        <p:txBody>
+          <a:bodyPr/>
+          <a:lstStyle/>
+          <a:p>
+            <a:fld id="{1E167D09-A34C-430D-9C38-F4CF3B2DC7D1}" type="slidenum">
+              <a:rPr lang="en-SG" smtClean="0"/>
+              <a:t>12</a:t>
+            </a:fld>
+            <a:endParaRPr lang="en-SG"/>
           </a:p>
         </p:txBody>
       </p:sp>
@@ -4988,6 +4983,35 @@
               <a:rPr lang="en-SG" sz="2600" dirty="0"/>
               <a:t>AWS Lambda</a:t>
             </a:r>
+          </a:p>
+        </p:txBody>
+      </p:sp>
+      <p:sp>
+        <p:nvSpPr>
+          <p:cNvPr id="4" name="Slide Number Placeholder 3">
+            <a:extLst>
+              <a:ext uri="{FF2B5EF4-FFF2-40B4-BE49-F238E27FC236}">
+                <a16:creationId xmlns:a16="http://schemas.microsoft.com/office/drawing/2014/main" id="{D34D0D01-4AAD-433B-88EE-E895E67A3DEE}"/>
+              </a:ext>
+            </a:extLst>
+          </p:cNvPr>
+          <p:cNvSpPr>
+            <a:spLocks noGrp="1"/>
+          </p:cNvSpPr>
+          <p:nvPr>
+            <p:ph type="sldNum" sz="quarter" idx="12"/>
+          </p:nvPr>
+        </p:nvSpPr>
+        <p:spPr/>
+        <p:txBody>
+          <a:bodyPr/>
+          <a:lstStyle/>
+          <a:p>
+            <a:fld id="{1E167D09-A34C-430D-9C38-F4CF3B2DC7D1}" type="slidenum">
+              <a:rPr lang="en-SG" smtClean="0"/>
+              <a:t>2</a:t>
+            </a:fld>
+            <a:endParaRPr lang="en-SG"/>
           </a:p>
         </p:txBody>
       </p:sp>
@@ -5123,6 +5147,35 @@
           </a:extLst>
         </p:spPr>
       </p:pic>
+      <p:sp>
+        <p:nvSpPr>
+          <p:cNvPr id="3" name="Slide Number Placeholder 2">
+            <a:extLst>
+              <a:ext uri="{FF2B5EF4-FFF2-40B4-BE49-F238E27FC236}">
+                <a16:creationId xmlns:a16="http://schemas.microsoft.com/office/drawing/2014/main" id="{38F4C2D2-E335-4482-9741-C0170C1CFFFC}"/>
+              </a:ext>
+            </a:extLst>
+          </p:cNvPr>
+          <p:cNvSpPr>
+            <a:spLocks noGrp="1"/>
+          </p:cNvSpPr>
+          <p:nvPr>
+            <p:ph type="sldNum" sz="quarter" idx="12"/>
+          </p:nvPr>
+        </p:nvSpPr>
+        <p:spPr/>
+        <p:txBody>
+          <a:bodyPr/>
+          <a:lstStyle/>
+          <a:p>
+            <a:fld id="{1E167D09-A34C-430D-9C38-F4CF3B2DC7D1}" type="slidenum">
+              <a:rPr lang="en-SG" smtClean="0"/>
+              <a:t>3</a:t>
+            </a:fld>
+            <a:endParaRPr lang="en-SG"/>
+          </a:p>
+        </p:txBody>
+      </p:sp>
     </p:spTree>
     <p:extLst>
       <p:ext uri="{BB962C8B-B14F-4D97-AF65-F5344CB8AC3E}">
@@ -5282,6 +5335,35 @@
           </a:prstGeom>
         </p:spPr>
       </p:pic>
+      <p:sp>
+        <p:nvSpPr>
+          <p:cNvPr id="4" name="Slide Number Placeholder 3">
+            <a:extLst>
+              <a:ext uri="{FF2B5EF4-FFF2-40B4-BE49-F238E27FC236}">
+                <a16:creationId xmlns:a16="http://schemas.microsoft.com/office/drawing/2014/main" id="{477A5A04-6791-4869-9644-DE462B5371D0}"/>
+              </a:ext>
+            </a:extLst>
+          </p:cNvPr>
+          <p:cNvSpPr>
+            <a:spLocks noGrp="1"/>
+          </p:cNvSpPr>
+          <p:nvPr>
+            <p:ph type="sldNum" sz="quarter" idx="12"/>
+          </p:nvPr>
+        </p:nvSpPr>
+        <p:spPr/>
+        <p:txBody>
+          <a:bodyPr/>
+          <a:lstStyle/>
+          <a:p>
+            <a:fld id="{1E167D09-A34C-430D-9C38-F4CF3B2DC7D1}" type="slidenum">
+              <a:rPr lang="en-SG" smtClean="0"/>
+              <a:t>4</a:t>
+            </a:fld>
+            <a:endParaRPr lang="en-SG"/>
+          </a:p>
+        </p:txBody>
+      </p:sp>
     </p:spTree>
     <p:extLst>
       <p:ext uri="{BB962C8B-B14F-4D97-AF65-F5344CB8AC3E}">
@@ -5366,14 +5448,15 @@
             <a:pPr lvl="1"/>
             <a:r>
               <a:rPr lang="en-SG" sz="2400" dirty="0"/>
-              <a:t>Extension does not rely on user input/interaction (Outside of clearing cache)</a:t>
-            </a:r>
-          </a:p>
-          <a:p>
-            <a:pPr lvl="1"/>
+              <a:t>Content scripts only injected onto certain webpages (</a:t>
+            </a:r>
+            <a:r>
+              <a:rPr lang="en-SG" sz="2400" dirty="0" err="1"/>
+              <a:t>Coursemology</a:t>
+            </a:r>
             <a:r>
               <a:rPr lang="en-SG" sz="2400" dirty="0"/>
-              <a:t>Content scripts only injected onto certain webpages (MOOC Forum/Thread page)</a:t>
+              <a:t> MOOC Forum/Thread page)</a:t>
             </a:r>
           </a:p>
           <a:p>
@@ -5387,7 +5470,7 @@
             <a:pPr lvl="1"/>
             <a:r>
               <a:rPr lang="en-SG" sz="2400" dirty="0"/>
-              <a:t>Main Functions:</a:t>
+              <a:t>Main Functions*:</a:t>
             </a:r>
           </a:p>
           <a:p>
@@ -5412,8 +5495,30 @@
             </a:r>
           </a:p>
           <a:p>
+            <a:pPr lvl="1"/>
+            <a:r>
+              <a:rPr lang="en-SG" sz="2200" dirty="0"/>
+              <a:t>Background.js not utilised</a:t>
+            </a:r>
+          </a:p>
+          <a:p>
+            <a:pPr lvl="1"/>
+            <a:r>
+              <a:rPr lang="en-SG" sz="2200" dirty="0"/>
+              <a:t>Popup.html/.</a:t>
+            </a:r>
+            <a:r>
+              <a:rPr lang="en-SG" sz="2200" dirty="0" err="1"/>
+              <a:t>js</a:t>
+            </a:r>
+            <a:r>
+              <a:rPr lang="en-SG" sz="2200" dirty="0"/>
+              <a:t> utilised for clearing storage</a:t>
+            </a:r>
+          </a:p>
+          <a:p>
             <a:pPr lvl="2"/>
-            <a:endParaRPr lang="en-SG" sz="1800" dirty="0"/>
+            <a:endParaRPr lang="en-SG" dirty="0"/>
           </a:p>
         </p:txBody>
       </p:sp>
@@ -5445,7 +5550,7 @@
         </p:blipFill>
         <p:spPr>
           <a:xfrm>
-            <a:off x="8571836" y="2745185"/>
+            <a:off x="8896301" y="2648245"/>
             <a:ext cx="1820862" cy="3571691"/>
           </a:xfrm>
           <a:prstGeom prst="rect">
@@ -5453,6 +5558,70 @@
           </a:prstGeom>
         </p:spPr>
       </p:pic>
+      <p:sp>
+        <p:nvSpPr>
+          <p:cNvPr id="4" name="TextBox 3">
+            <a:extLst>
+              <a:ext uri="{FF2B5EF4-FFF2-40B4-BE49-F238E27FC236}">
+                <a16:creationId xmlns:a16="http://schemas.microsoft.com/office/drawing/2014/main" id="{32492C33-6C2D-4419-B29F-D18159107990}"/>
+              </a:ext>
+            </a:extLst>
+          </p:cNvPr>
+          <p:cNvSpPr txBox="1"/>
+          <p:nvPr/>
+        </p:nvSpPr>
+        <p:spPr>
+          <a:xfrm>
+            <a:off x="1268361" y="5956612"/>
+            <a:ext cx="7413522" cy="369332"/>
+          </a:xfrm>
+          <a:prstGeom prst="rect">
+            <a:avLst/>
+          </a:prstGeom>
+          <a:noFill/>
+        </p:spPr>
+        <p:txBody>
+          <a:bodyPr wrap="square" rtlCol="0">
+            <a:spAutoFit/>
+          </a:bodyPr>
+          <a:lstStyle/>
+          <a:p>
+            <a:r>
+              <a:rPr lang="en-SG" dirty="0"/>
+              <a:t>*Explanation of functions is included as comments within source code itself</a:t>
+            </a:r>
+          </a:p>
+        </p:txBody>
+      </p:sp>
+      <p:sp>
+        <p:nvSpPr>
+          <p:cNvPr id="6" name="Slide Number Placeholder 5">
+            <a:extLst>
+              <a:ext uri="{FF2B5EF4-FFF2-40B4-BE49-F238E27FC236}">
+                <a16:creationId xmlns:a16="http://schemas.microsoft.com/office/drawing/2014/main" id="{23867290-8A7B-4F36-AC49-21A0EF738EF6}"/>
+              </a:ext>
+            </a:extLst>
+          </p:cNvPr>
+          <p:cNvSpPr>
+            <a:spLocks noGrp="1"/>
+          </p:cNvSpPr>
+          <p:nvPr>
+            <p:ph type="sldNum" sz="quarter" idx="12"/>
+          </p:nvPr>
+        </p:nvSpPr>
+        <p:spPr/>
+        <p:txBody>
+          <a:bodyPr/>
+          <a:lstStyle/>
+          <a:p>
+            <a:fld id="{1E167D09-A34C-430D-9C38-F4CF3B2DC7D1}" type="slidenum">
+              <a:rPr lang="en-SG" smtClean="0"/>
+              <a:t>5</a:t>
+            </a:fld>
+            <a:endParaRPr lang="en-SG"/>
+          </a:p>
+        </p:txBody>
+      </p:sp>
     </p:spTree>
     <p:extLst>
       <p:ext uri="{BB962C8B-B14F-4D97-AF65-F5344CB8AC3E}">
@@ -5488,106 +5657,6 @@
           <p:cNvPr id="2" name="Title 1">
             <a:extLst>
               <a:ext uri="{FF2B5EF4-FFF2-40B4-BE49-F238E27FC236}">
-                <a16:creationId xmlns:a16="http://schemas.microsoft.com/office/drawing/2014/main" id="{E768652B-B098-4216-AE35-946D66EBC90D}"/>
-              </a:ext>
-            </a:extLst>
-          </p:cNvPr>
-          <p:cNvSpPr>
-            <a:spLocks noGrp="1"/>
-          </p:cNvSpPr>
-          <p:nvPr>
-            <p:ph type="title"/>
-          </p:nvPr>
-        </p:nvSpPr>
-        <p:spPr/>
-        <p:txBody>
-          <a:bodyPr/>
-          <a:lstStyle/>
-          <a:p>
-            <a:r>
-              <a:rPr lang="en-SG" dirty="0"/>
-              <a:t>Interesting Takeaways</a:t>
-            </a:r>
-          </a:p>
-        </p:txBody>
-      </p:sp>
-      <p:sp>
-        <p:nvSpPr>
-          <p:cNvPr id="3" name="Content Placeholder 2">
-            <a:extLst>
-              <a:ext uri="{FF2B5EF4-FFF2-40B4-BE49-F238E27FC236}">
-                <a16:creationId xmlns:a16="http://schemas.microsoft.com/office/drawing/2014/main" id="{F1418B4D-839F-4B9C-BD61-60E7777CE05E}"/>
-              </a:ext>
-            </a:extLst>
-          </p:cNvPr>
-          <p:cNvSpPr>
-            <a:spLocks noGrp="1"/>
-          </p:cNvSpPr>
-          <p:nvPr>
-            <p:ph idx="1"/>
-          </p:nvPr>
-        </p:nvSpPr>
-        <p:spPr/>
-        <p:txBody>
-          <a:bodyPr>
-            <a:normAutofit/>
-          </a:bodyPr>
-          <a:lstStyle/>
-          <a:p>
-            <a:pPr lvl="1"/>
-            <a:r>
-              <a:rPr lang="en-SG" sz="3200" dirty="0"/>
-              <a:t>Working with Asynchronous functions (Storage retrieval, POST request)</a:t>
-            </a:r>
-          </a:p>
-          <a:p>
-            <a:pPr lvl="1"/>
-            <a:r>
-              <a:rPr lang="en-SG" sz="3200" dirty="0"/>
-              <a:t>Communications between different components </a:t>
-            </a:r>
-          </a:p>
-          <a:p>
-            <a:pPr lvl="2"/>
-            <a:endParaRPr lang="en-SG" sz="2400" dirty="0"/>
-          </a:p>
-        </p:txBody>
-      </p:sp>
-    </p:spTree>
-    <p:extLst>
-      <p:ext uri="{BB962C8B-B14F-4D97-AF65-F5344CB8AC3E}">
-        <p14:creationId xmlns:p14="http://schemas.microsoft.com/office/powerpoint/2010/main" val="4091133351"/>
-      </p:ext>
-    </p:extLst>
-  </p:cSld>
-  <p:clrMapOvr>
-    <a:masterClrMapping/>
-  </p:clrMapOvr>
-</p:sld>
-</file>
-
-<file path=ppt/slides/slide7.xml><?xml version="1.0" encoding="utf-8"?>
-<p:sld xmlns:a="http://schemas.openxmlformats.org/drawingml/2006/main" xmlns:r="http://schemas.openxmlformats.org/officeDocument/2006/relationships" xmlns:p="http://schemas.openxmlformats.org/presentationml/2006/main">
-  <p:cSld>
-    <p:spTree>
-      <p:nvGrpSpPr>
-        <p:cNvPr id="1" name=""/>
-        <p:cNvGrpSpPr/>
-        <p:nvPr/>
-      </p:nvGrpSpPr>
-      <p:grpSpPr>
-        <a:xfrm>
-          <a:off x="0" y="0"/>
-          <a:ext cx="0" cy="0"/>
-          <a:chOff x="0" y="0"/>
-          <a:chExt cx="0" cy="0"/>
-        </a:xfrm>
-      </p:grpSpPr>
-      <p:sp>
-        <p:nvSpPr>
-          <p:cNvPr id="2" name="Title 1">
-            <a:extLst>
-              <a:ext uri="{FF2B5EF4-FFF2-40B4-BE49-F238E27FC236}">
                 <a16:creationId xmlns:a16="http://schemas.microsoft.com/office/drawing/2014/main" id="{C9A7E9F2-1CD5-4790-8B96-FE4207F32D3C}"/>
               </a:ext>
             </a:extLst>
@@ -5750,6 +5819,35 @@
           </a:p>
         </p:txBody>
       </p:sp>
+      <p:sp>
+        <p:nvSpPr>
+          <p:cNvPr id="3" name="Slide Number Placeholder 2">
+            <a:extLst>
+              <a:ext uri="{FF2B5EF4-FFF2-40B4-BE49-F238E27FC236}">
+                <a16:creationId xmlns:a16="http://schemas.microsoft.com/office/drawing/2014/main" id="{551E2621-A64C-4AE6-B6AF-9A88F1B047AB}"/>
+              </a:ext>
+            </a:extLst>
+          </p:cNvPr>
+          <p:cNvSpPr>
+            <a:spLocks noGrp="1"/>
+          </p:cNvSpPr>
+          <p:nvPr>
+            <p:ph type="sldNum" sz="quarter" idx="12"/>
+          </p:nvPr>
+        </p:nvSpPr>
+        <p:spPr/>
+        <p:txBody>
+          <a:bodyPr/>
+          <a:lstStyle/>
+          <a:p>
+            <a:fld id="{1E167D09-A34C-430D-9C38-F4CF3B2DC7D1}" type="slidenum">
+              <a:rPr lang="en-SG" smtClean="0"/>
+              <a:t>6</a:t>
+            </a:fld>
+            <a:endParaRPr lang="en-SG"/>
+          </a:p>
+        </p:txBody>
+      </p:sp>
     </p:spTree>
     <p:extLst>
       <p:ext uri="{BB962C8B-B14F-4D97-AF65-F5344CB8AC3E}">
@@ -5763,7 +5861,7 @@
 </p:sld>
 </file>
 
-<file path=ppt/slides/slide8.xml><?xml version="1.0" encoding="utf-8"?>
+<file path=ppt/slides/slide7.xml><?xml version="1.0" encoding="utf-8"?>
 <p:sld xmlns:a="http://schemas.openxmlformats.org/drawingml/2006/main" xmlns:r="http://schemas.openxmlformats.org/officeDocument/2006/relationships" xmlns:p="http://schemas.openxmlformats.org/presentationml/2006/main">
   <p:cSld>
     <p:spTree>
@@ -6246,10 +6344,164 @@
           </a:p>
         </p:txBody>
       </p:sp>
+      <p:sp>
+        <p:nvSpPr>
+          <p:cNvPr id="3" name="Slide Number Placeholder 2">
+            <a:extLst>
+              <a:ext uri="{FF2B5EF4-FFF2-40B4-BE49-F238E27FC236}">
+                <a16:creationId xmlns:a16="http://schemas.microsoft.com/office/drawing/2014/main" id="{CA90C40E-522E-4F98-A844-679B3A2FBDAA}"/>
+              </a:ext>
+            </a:extLst>
+          </p:cNvPr>
+          <p:cNvSpPr>
+            <a:spLocks noGrp="1"/>
+          </p:cNvSpPr>
+          <p:nvPr>
+            <p:ph type="sldNum" sz="quarter" idx="12"/>
+          </p:nvPr>
+        </p:nvSpPr>
+        <p:spPr/>
+        <p:txBody>
+          <a:bodyPr/>
+          <a:lstStyle/>
+          <a:p>
+            <a:fld id="{1E167D09-A34C-430D-9C38-F4CF3B2DC7D1}" type="slidenum">
+              <a:rPr lang="en-SG" smtClean="0"/>
+              <a:t>7</a:t>
+            </a:fld>
+            <a:endParaRPr lang="en-SG"/>
+          </a:p>
+        </p:txBody>
+      </p:sp>
     </p:spTree>
     <p:extLst>
       <p:ext uri="{BB962C8B-B14F-4D97-AF65-F5344CB8AC3E}">
         <p14:creationId xmlns:p14="http://schemas.microsoft.com/office/powerpoint/2010/main" val="1024125675"/>
+      </p:ext>
+    </p:extLst>
+  </p:cSld>
+  <p:clrMapOvr>
+    <a:masterClrMapping/>
+  </p:clrMapOvr>
+</p:sld>
+</file>
+
+<file path=ppt/slides/slide8.xml><?xml version="1.0" encoding="utf-8"?>
+<p:sld xmlns:a="http://schemas.openxmlformats.org/drawingml/2006/main" xmlns:r="http://schemas.openxmlformats.org/officeDocument/2006/relationships" xmlns:p="http://schemas.openxmlformats.org/presentationml/2006/main">
+  <p:cSld>
+    <p:spTree>
+      <p:nvGrpSpPr>
+        <p:cNvPr id="1" name=""/>
+        <p:cNvGrpSpPr/>
+        <p:nvPr/>
+      </p:nvGrpSpPr>
+      <p:grpSpPr>
+        <a:xfrm>
+          <a:off x="0" y="0"/>
+          <a:ext cx="0" cy="0"/>
+          <a:chOff x="0" y="0"/>
+          <a:chExt cx="0" cy="0"/>
+        </a:xfrm>
+      </p:grpSpPr>
+      <p:sp>
+        <p:nvSpPr>
+          <p:cNvPr id="2" name="Title 1">
+            <a:extLst>
+              <a:ext uri="{FF2B5EF4-FFF2-40B4-BE49-F238E27FC236}">
+                <a16:creationId xmlns:a16="http://schemas.microsoft.com/office/drawing/2014/main" id="{2ABE0C45-BF4E-42F2-9ADE-1626DC43D64A}"/>
+              </a:ext>
+            </a:extLst>
+          </p:cNvPr>
+          <p:cNvSpPr>
+            <a:spLocks noGrp="1"/>
+          </p:cNvSpPr>
+          <p:nvPr>
+            <p:ph type="title"/>
+          </p:nvPr>
+        </p:nvSpPr>
+        <p:spPr/>
+        <p:txBody>
+          <a:bodyPr/>
+          <a:lstStyle/>
+          <a:p>
+            <a:r>
+              <a:rPr lang="en-SG" dirty="0"/>
+              <a:t>Chrome Extension Potential Usages</a:t>
+            </a:r>
+          </a:p>
+        </p:txBody>
+      </p:sp>
+      <p:sp>
+        <p:nvSpPr>
+          <p:cNvPr id="3" name="Content Placeholder 2">
+            <a:extLst>
+              <a:ext uri="{FF2B5EF4-FFF2-40B4-BE49-F238E27FC236}">
+                <a16:creationId xmlns:a16="http://schemas.microsoft.com/office/drawing/2014/main" id="{6797AFF6-3AA8-4854-ACB8-7DD72ECE859E}"/>
+              </a:ext>
+            </a:extLst>
+          </p:cNvPr>
+          <p:cNvSpPr>
+            <a:spLocks noGrp="1"/>
+          </p:cNvSpPr>
+          <p:nvPr>
+            <p:ph idx="1"/>
+          </p:nvPr>
+        </p:nvSpPr>
+        <p:spPr/>
+        <p:txBody>
+          <a:bodyPr>
+            <a:normAutofit/>
+          </a:bodyPr>
+          <a:lstStyle/>
+          <a:p>
+            <a:pPr lvl="1"/>
+            <a:r>
+              <a:rPr lang="en-SG" sz="3200" dirty="0"/>
+              <a:t>Data Scraping (From webpages/ research papers?)</a:t>
+            </a:r>
+          </a:p>
+          <a:p>
+            <a:pPr lvl="1"/>
+            <a:r>
+              <a:rPr lang="en-SG" sz="3200" dirty="0"/>
+              <a:t>Serve as link between front-end and ML models</a:t>
+            </a:r>
+          </a:p>
+        </p:txBody>
+      </p:sp>
+      <p:sp>
+        <p:nvSpPr>
+          <p:cNvPr id="4" name="Slide Number Placeholder 3">
+            <a:extLst>
+              <a:ext uri="{FF2B5EF4-FFF2-40B4-BE49-F238E27FC236}">
+                <a16:creationId xmlns:a16="http://schemas.microsoft.com/office/drawing/2014/main" id="{E43B6FC7-125D-4A8B-B0E9-DA5DBFD29913}"/>
+              </a:ext>
+            </a:extLst>
+          </p:cNvPr>
+          <p:cNvSpPr>
+            <a:spLocks noGrp="1"/>
+          </p:cNvSpPr>
+          <p:nvPr>
+            <p:ph type="sldNum" sz="quarter" idx="12"/>
+          </p:nvPr>
+        </p:nvSpPr>
+        <p:spPr/>
+        <p:txBody>
+          <a:bodyPr/>
+          <a:lstStyle/>
+          <a:p>
+            <a:fld id="{1E167D09-A34C-430D-9C38-F4CF3B2DC7D1}" type="slidenum">
+              <a:rPr lang="en-SG" smtClean="0"/>
+              <a:t>8</a:t>
+            </a:fld>
+            <a:endParaRPr lang="en-SG"/>
+          </a:p>
+        </p:txBody>
+      </p:sp>
+    </p:spTree>
+    <p:extLst>
+      <p:ext uri="{BB962C8B-B14F-4D97-AF65-F5344CB8AC3E}">
+        <p14:creationId xmlns:p14="http://schemas.microsoft.com/office/powerpoint/2010/main" val="1296561097"/>
       </p:ext>
     </p:extLst>
   </p:cSld>
@@ -6281,7 +6533,7 @@
           <p:cNvPr id="2" name="Title 1">
             <a:extLst>
               <a:ext uri="{FF2B5EF4-FFF2-40B4-BE49-F238E27FC236}">
-                <a16:creationId xmlns:a16="http://schemas.microsoft.com/office/drawing/2014/main" id="{2ABE0C45-BF4E-42F2-9ADE-1626DC43D64A}"/>
+                <a16:creationId xmlns:a16="http://schemas.microsoft.com/office/drawing/2014/main" id="{7F2D946B-8179-46C0-AE18-B78C8DFF1CB1}"/>
               </a:ext>
             </a:extLst>
           </p:cNvPr>
@@ -6289,27 +6541,29 @@
             <a:spLocks noGrp="1"/>
           </p:cNvSpPr>
           <p:nvPr>
-            <p:ph type="title"/>
+            <p:ph type="ctrTitle"/>
           </p:nvPr>
         </p:nvSpPr>
         <p:spPr/>
         <p:txBody>
-          <a:bodyPr/>
+          <a:bodyPr>
+            <a:normAutofit/>
+          </a:bodyPr>
           <a:lstStyle/>
           <a:p>
             <a:r>
               <a:rPr lang="en-SG" dirty="0"/>
-              <a:t>Chrome Extension Potential Usages</a:t>
-            </a:r>
-          </a:p>
-        </p:txBody>
-      </p:sp>
-      <p:sp>
-        <p:nvSpPr>
-          <p:cNvPr id="3" name="Content Placeholder 2">
+              <a:t>AWS Lambda</a:t>
+            </a:r>
+          </a:p>
+        </p:txBody>
+      </p:sp>
+      <p:sp>
+        <p:nvSpPr>
+          <p:cNvPr id="5" name="Subtitle 4">
             <a:extLst>
               <a:ext uri="{FF2B5EF4-FFF2-40B4-BE49-F238E27FC236}">
-                <a16:creationId xmlns:a16="http://schemas.microsoft.com/office/drawing/2014/main" id="{6797AFF6-3AA8-4854-ACB8-7DD72ECE859E}"/>
+                <a16:creationId xmlns:a16="http://schemas.microsoft.com/office/drawing/2014/main" id="{6CDAB7C5-0494-4C6F-9003-1A643F7E8C21}"/>
               </a:ext>
             </a:extLst>
           </p:cNvPr>
@@ -6317,35 +6571,87 @@
             <a:spLocks noGrp="1"/>
           </p:cNvSpPr>
           <p:nvPr>
-            <p:ph idx="1"/>
+            <p:ph type="subTitle" idx="1"/>
           </p:nvPr>
         </p:nvSpPr>
         <p:spPr/>
         <p:txBody>
-          <a:bodyPr>
-            <a:normAutofit/>
-          </a:bodyPr>
-          <a:lstStyle/>
-          <a:p>
-            <a:pPr lvl="1"/>
-            <a:r>
-              <a:rPr lang="en-SG" sz="3200" dirty="0"/>
-              <a:t>Data Scraping (From webpages/ research papers?)</a:t>
-            </a:r>
-          </a:p>
-          <a:p>
-            <a:pPr lvl="1"/>
-            <a:r>
-              <a:rPr lang="en-SG" sz="3200" dirty="0"/>
-              <a:t>Serve as link between front-end and ML models</a:t>
-            </a:r>
+          <a:bodyPr/>
+          <a:lstStyle/>
+          <a:p>
+            <a:endParaRPr lang="en-SG"/>
+          </a:p>
+        </p:txBody>
+      </p:sp>
+      <p:pic>
+        <p:nvPicPr>
+          <p:cNvPr id="6" name="Graphic 5">
+            <a:extLst>
+              <a:ext uri="{FF2B5EF4-FFF2-40B4-BE49-F238E27FC236}">
+                <a16:creationId xmlns:a16="http://schemas.microsoft.com/office/drawing/2014/main" id="{AFFCDA78-8A47-43CA-83F6-BA30116B9875}"/>
+              </a:ext>
+            </a:extLst>
+          </p:cNvPr>
+          <p:cNvPicPr>
+            <a:picLocks noChangeAspect="1"/>
+          </p:cNvPicPr>
+          <p:nvPr/>
+        </p:nvPicPr>
+        <p:blipFill>
+          <a:blip r:embed="rId2">
+            <a:extLst>
+              <a:ext uri="{96DAC541-7B7A-43D3-8B79-37D633B846F1}">
+                <asvg:svgBlip xmlns:asvg="http://schemas.microsoft.com/office/drawing/2016/SVG/main" r:embed="rId3"/>
+              </a:ext>
+            </a:extLst>
+          </a:blip>
+          <a:stretch>
+            <a:fillRect/>
+          </a:stretch>
+        </p:blipFill>
+        <p:spPr>
+          <a:xfrm>
+            <a:off x="9243138" y="3039803"/>
+            <a:ext cx="1110229" cy="1110229"/>
+          </a:xfrm>
+          <a:prstGeom prst="rect">
+            <a:avLst/>
+          </a:prstGeom>
+        </p:spPr>
+      </p:pic>
+      <p:sp>
+        <p:nvSpPr>
+          <p:cNvPr id="3" name="Slide Number Placeholder 2">
+            <a:extLst>
+              <a:ext uri="{FF2B5EF4-FFF2-40B4-BE49-F238E27FC236}">
+                <a16:creationId xmlns:a16="http://schemas.microsoft.com/office/drawing/2014/main" id="{CC6DDE8C-CFB3-476C-8615-DE03AB4B7981}"/>
+              </a:ext>
+            </a:extLst>
+          </p:cNvPr>
+          <p:cNvSpPr>
+            <a:spLocks noGrp="1"/>
+          </p:cNvSpPr>
+          <p:nvPr>
+            <p:ph type="sldNum" sz="quarter" idx="12"/>
+          </p:nvPr>
+        </p:nvSpPr>
+        <p:spPr/>
+        <p:txBody>
+          <a:bodyPr/>
+          <a:lstStyle/>
+          <a:p>
+            <a:fld id="{1E167D09-A34C-430D-9C38-F4CF3B2DC7D1}" type="slidenum">
+              <a:rPr lang="en-SG" smtClean="0"/>
+              <a:t>9</a:t>
+            </a:fld>
+            <a:endParaRPr lang="en-SG"/>
           </a:p>
         </p:txBody>
       </p:sp>
     </p:spTree>
     <p:extLst>
       <p:ext uri="{BB962C8B-B14F-4D97-AF65-F5344CB8AC3E}">
-        <p14:creationId xmlns:p14="http://schemas.microsoft.com/office/powerpoint/2010/main" val="1296561097"/>
+        <p14:creationId xmlns:p14="http://schemas.microsoft.com/office/powerpoint/2010/main" val="3435306315"/>
       </p:ext>
     </p:extLst>
   </p:cSld>
